--- a/images/theory_analysis/Two-Phase_Commit/Two-Phase_Commit.pptx
+++ b/images/theory_analysis/Two-Phase_Commit/Two-Phase_Commit.pptx
@@ -3645,8 +3645,8 @@
         </p:nvSpPr>
         <p:spPr>
           <a:xfrm>
-            <a:off x="5220076" y="1184434"/>
-            <a:ext cx="1512164" cy="523220"/>
+            <a:off x="5220076" y="1311968"/>
+            <a:ext cx="1512164" cy="307777"/>
           </a:xfrm>
           <a:prstGeom prst="rect">
             <a:avLst/>
@@ -3662,14 +3662,7 @@
             <a:pPr algn="ctr"/>
             <a:r>
               <a:rPr lang="en-US" altLang="ko-KR" sz="1400"/>
-              <a:t>Resource</a:t>
-            </a:r>
-            <a:br>
-              <a:rPr lang="en-US" altLang="ko-KR" sz="1400"/>
-            </a:br>
-            <a:r>
-              <a:rPr lang="en-US" altLang="ko-KR" sz="1400"/>
-              <a:t>Managers</a:t>
+              <a:t>Node</a:t>
             </a:r>
             <a:endParaRPr lang="ko-KR" altLang="en-US" sz="1400"/>
           </a:p>
